--- a/Spotify_Mina_Umre - v1.pptx
+++ b/Spotify_Mina_Umre - v1.pptx
@@ -9,20 +9,18 @@
     <p:sldId id="268" r:id="rId3"/>
     <p:sldId id="257" r:id="rId4"/>
     <p:sldId id="261" r:id="rId5"/>
-    <p:sldId id="262" r:id="rId6"/>
-    <p:sldId id="263" r:id="rId7"/>
-    <p:sldId id="265" r:id="rId8"/>
-    <p:sldId id="258" r:id="rId9"/>
-    <p:sldId id="259" r:id="rId10"/>
-    <p:sldId id="260" r:id="rId11"/>
-    <p:sldId id="264" r:id="rId12"/>
-    <p:sldId id="266" r:id="rId13"/>
-    <p:sldId id="270" r:id="rId14"/>
-    <p:sldId id="271" r:id="rId15"/>
-    <p:sldId id="272" r:id="rId16"/>
-    <p:sldId id="273" r:id="rId17"/>
-    <p:sldId id="275" r:id="rId18"/>
-    <p:sldId id="269" r:id="rId19"/>
+    <p:sldId id="263" r:id="rId6"/>
+    <p:sldId id="265" r:id="rId7"/>
+    <p:sldId id="258" r:id="rId8"/>
+    <p:sldId id="259" r:id="rId9"/>
+    <p:sldId id="260" r:id="rId10"/>
+    <p:sldId id="264" r:id="rId11"/>
+    <p:sldId id="266" r:id="rId12"/>
+    <p:sldId id="270" r:id="rId13"/>
+    <p:sldId id="271" r:id="rId14"/>
+    <p:sldId id="272" r:id="rId15"/>
+    <p:sldId id="273" r:id="rId16"/>
+    <p:sldId id="275" r:id="rId17"/>
   </p:sldIdLst>
   <p:sldSz cx="12192000" cy="6858000"/>
   <p:notesSz cx="6858000" cy="9144000"/>
@@ -127,14 +125,6 @@
     </p:ext>
   </p:extLst>
 </p:presentation>
-</file>
-
-<file path=ppt/revisionInfo.xml><?xml version="1.0" encoding="utf-8"?>
-<p1510:revInfo xmlns:a="http://schemas.openxmlformats.org/drawingml/2006/main" xmlns:r="http://schemas.openxmlformats.org/officeDocument/2006/relationships" xmlns:p1510="http://schemas.microsoft.com/office/powerpoint/2015/10/main">
-  <p1510:revLst>
-    <p1510:client id="{CE1BA007-2D19-44DC-99D0-ABD985406C5A}" v="48" dt="2019-04-24T12:24:14.935"/>
-  </p1510:revLst>
-</p1510:revInfo>
 </file>
 
 <file path=ppt/changesInfos/changesInfo1.xml><?xml version="1.0" encoding="utf-8"?>
@@ -348,29 +338,6 @@
           </ac:picMkLst>
         </pc:picChg>
       </pc:sldChg>
-      <pc:sldChg chg="addSp delSp modSp">
-        <pc:chgData name="Mina Silahtaroğlu" userId="0936dcf6579eb0e0" providerId="LiveId" clId="{CE1BA007-2D19-44DC-99D0-ABD985406C5A}" dt="2019-04-24T08:35:53.579" v="227" actId="1076"/>
-        <pc:sldMkLst>
-          <pc:docMk/>
-          <pc:sldMk cId="1802116770" sldId="262"/>
-        </pc:sldMkLst>
-        <pc:picChg chg="add mod">
-          <ac:chgData name="Mina Silahtaroğlu" userId="0936dcf6579eb0e0" providerId="LiveId" clId="{CE1BA007-2D19-44DC-99D0-ABD985406C5A}" dt="2019-04-24T08:35:53.579" v="227" actId="1076"/>
-          <ac:picMkLst>
-            <pc:docMk/>
-            <pc:sldMk cId="1802116770" sldId="262"/>
-            <ac:picMk id="2" creationId="{D3208170-FDA6-47D6-AC9E-C02A77ABF412}"/>
-          </ac:picMkLst>
-        </pc:picChg>
-        <pc:picChg chg="del">
-          <ac:chgData name="Mina Silahtaroğlu" userId="0936dcf6579eb0e0" providerId="LiveId" clId="{CE1BA007-2D19-44DC-99D0-ABD985406C5A}" dt="2019-04-24T08:25:41.341" v="1" actId="478"/>
-          <ac:picMkLst>
-            <pc:docMk/>
-            <pc:sldMk cId="1802116770" sldId="262"/>
-            <ac:picMk id="4" creationId="{788F049F-CDEE-4E02-9D2C-32DDB04160A9}"/>
-          </ac:picMkLst>
-        </pc:picChg>
-      </pc:sldChg>
       <pc:sldChg chg="addSp delSp">
         <pc:chgData name="Mina Silahtaroğlu" userId="0936dcf6579eb0e0" providerId="LiveId" clId="{CE1BA007-2D19-44DC-99D0-ABD985406C5A}" dt="2019-04-24T08:36:20.455" v="228"/>
         <pc:sldMkLst>
@@ -508,245 +475,6 @@
             <pc:docMk/>
             <pc:sldMk cId="428100399" sldId="266"/>
             <ac:picMk id="4" creationId="{A6EB0A06-A462-430E-BDCA-32B317657186}"/>
-          </ac:picMkLst>
-        </pc:picChg>
-      </pc:sldChg>
-      <pc:sldChg chg="addSp delSp modSp del mod setBg setClrOvrMap">
-        <pc:chgData name="Mina Silahtaroğlu" userId="0936dcf6579eb0e0" providerId="LiveId" clId="{CE1BA007-2D19-44DC-99D0-ABD985406C5A}" dt="2019-04-25T06:42:56.201" v="564" actId="2696"/>
-        <pc:sldMkLst>
-          <pc:docMk/>
-          <pc:sldMk cId="2549270753" sldId="267"/>
-        </pc:sldMkLst>
-        <pc:spChg chg="del mod">
-          <ac:chgData name="Mina Silahtaroğlu" userId="0936dcf6579eb0e0" providerId="LiveId" clId="{CE1BA007-2D19-44DC-99D0-ABD985406C5A}" dt="2019-04-24T08:57:05.284" v="368" actId="478"/>
-          <ac:spMkLst>
-            <pc:docMk/>
-            <pc:sldMk cId="2549270753" sldId="267"/>
-            <ac:spMk id="2" creationId="{B3602552-CFBF-4D57-8D71-CEF4C617D4A5}"/>
-          </ac:spMkLst>
-        </pc:spChg>
-        <pc:spChg chg="add del mod">
-          <ac:chgData name="Mina Silahtaroğlu" userId="0936dcf6579eb0e0" providerId="LiveId" clId="{CE1BA007-2D19-44DC-99D0-ABD985406C5A}" dt="2019-04-24T08:57:10.859" v="369" actId="478"/>
-          <ac:spMkLst>
-            <pc:docMk/>
-            <pc:sldMk cId="2549270753" sldId="267"/>
-            <ac:spMk id="5" creationId="{EA06E2DD-7953-4851-ABE3-CBF7CFFFFF4F}"/>
-          </ac:spMkLst>
-        </pc:spChg>
-        <pc:spChg chg="add del">
-          <ac:chgData name="Mina Silahtaroğlu" userId="0936dcf6579eb0e0" providerId="LiveId" clId="{CE1BA007-2D19-44DC-99D0-ABD985406C5A}" dt="2019-04-24T08:56:32.123" v="356" actId="26606"/>
-          <ac:spMkLst>
-            <pc:docMk/>
-            <pc:sldMk cId="2549270753" sldId="267"/>
-            <ac:spMk id="8" creationId="{D4771268-CB57-404A-9271-370EB28F6090}"/>
-          </ac:spMkLst>
-        </pc:spChg>
-        <pc:spChg chg="add del">
-          <ac:chgData name="Mina Silahtaroğlu" userId="0936dcf6579eb0e0" providerId="LiveId" clId="{CE1BA007-2D19-44DC-99D0-ABD985406C5A}" dt="2019-04-24T08:56:40.964" v="364" actId="26606"/>
-          <ac:spMkLst>
-            <pc:docMk/>
-            <pc:sldMk cId="2549270753" sldId="267"/>
-            <ac:spMk id="10" creationId="{1DB7C82F-AB7E-4F0C-B829-FA1B9C415180}"/>
-          </ac:spMkLst>
-        </pc:spChg>
-        <pc:spChg chg="add del">
-          <ac:chgData name="Mina Silahtaroğlu" userId="0936dcf6579eb0e0" providerId="LiveId" clId="{CE1BA007-2D19-44DC-99D0-ABD985406C5A}" dt="2019-04-24T09:02:02.894" v="387" actId="26606"/>
-          <ac:spMkLst>
-            <pc:docMk/>
-            <pc:sldMk cId="2549270753" sldId="267"/>
-            <ac:spMk id="11" creationId="{82A5F716-98EF-42EF-A471-87C6DFDCC799}"/>
-          </ac:spMkLst>
-        </pc:spChg>
-        <pc:spChg chg="add del">
-          <ac:chgData name="Mina Silahtaroğlu" userId="0936dcf6579eb0e0" providerId="LiveId" clId="{CE1BA007-2D19-44DC-99D0-ABD985406C5A}" dt="2019-04-24T09:02:11.183" v="394" actId="26606"/>
-          <ac:spMkLst>
-            <pc:docMk/>
-            <pc:sldMk cId="2549270753" sldId="267"/>
-            <ac:spMk id="12" creationId="{32BC26D8-82FB-445E-AA49-62A77D7C1EE0}"/>
-          </ac:spMkLst>
-        </pc:spChg>
-        <pc:spChg chg="add del">
-          <ac:chgData name="Mina Silahtaroğlu" userId="0936dcf6579eb0e0" providerId="LiveId" clId="{CE1BA007-2D19-44DC-99D0-ABD985406C5A}" dt="2019-04-24T09:02:02.894" v="387" actId="26606"/>
-          <ac:spMkLst>
-            <pc:docMk/>
-            <pc:sldMk cId="2549270753" sldId="267"/>
-            <ac:spMk id="13" creationId="{B87687D8-4EF1-4EF2-BF7E-74BB4A3D1806}"/>
-          </ac:spMkLst>
-        </pc:spChg>
-        <pc:spChg chg="add del">
-          <ac:chgData name="Mina Silahtaroğlu" userId="0936dcf6579eb0e0" providerId="LiveId" clId="{CE1BA007-2D19-44DC-99D0-ABD985406C5A}" dt="2019-04-24T09:02:11.183" v="394" actId="26606"/>
-          <ac:spMkLst>
-            <pc:docMk/>
-            <pc:sldMk cId="2549270753" sldId="267"/>
-            <ac:spMk id="14" creationId="{CB44330D-EA18-4254-AA95-EB49948539B8}"/>
-          </ac:spMkLst>
-        </pc:spChg>
-        <pc:spChg chg="add del">
-          <ac:chgData name="Mina Silahtaroğlu" userId="0936dcf6579eb0e0" providerId="LiveId" clId="{CE1BA007-2D19-44DC-99D0-ABD985406C5A}" dt="2019-04-24T09:02:11.639" v="396" actId="26606"/>
-          <ac:spMkLst>
-            <pc:docMk/>
-            <pc:sldMk cId="2549270753" sldId="267"/>
-            <ac:spMk id="15" creationId="{ADAD1991-FFD1-4E94-ABAB-7560D33008E4}"/>
-          </ac:spMkLst>
-        </pc:spChg>
-        <pc:spChg chg="add del">
-          <ac:chgData name="Mina Silahtaroğlu" userId="0936dcf6579eb0e0" providerId="LiveId" clId="{CE1BA007-2D19-44DC-99D0-ABD985406C5A}" dt="2019-04-24T09:02:11.639" v="396" actId="26606"/>
-          <ac:spMkLst>
-            <pc:docMk/>
-            <pc:sldMk cId="2549270753" sldId="267"/>
-            <ac:spMk id="16" creationId="{57845966-6EFC-468A-9CC7-BAB4B95854E7}"/>
-          </ac:spMkLst>
-        </pc:spChg>
-        <pc:spChg chg="add del">
-          <ac:chgData name="Mina Silahtaroğlu" userId="0936dcf6579eb0e0" providerId="LiveId" clId="{CE1BA007-2D19-44DC-99D0-ABD985406C5A}" dt="2019-04-24T09:02:17.554" v="404" actId="26606"/>
-          <ac:spMkLst>
-            <pc:docMk/>
-            <pc:sldMk cId="2549270753" sldId="267"/>
-            <ac:spMk id="18" creationId="{82A5F716-98EF-42EF-A471-87C6DFDCC799}"/>
-          </ac:spMkLst>
-        </pc:spChg>
-        <pc:spChg chg="add del">
-          <ac:chgData name="Mina Silahtaroğlu" userId="0936dcf6579eb0e0" providerId="LiveId" clId="{CE1BA007-2D19-44DC-99D0-ABD985406C5A}" dt="2019-04-24T09:02:14.087" v="398" actId="26606"/>
-          <ac:spMkLst>
-            <pc:docMk/>
-            <pc:sldMk cId="2549270753" sldId="267"/>
-            <ac:spMk id="19" creationId="{A4D1609B-102A-4C77-86A2-ACB29FB96D59}"/>
-          </ac:spMkLst>
-        </pc:spChg>
-        <pc:spChg chg="add del">
-          <ac:chgData name="Mina Silahtaroğlu" userId="0936dcf6579eb0e0" providerId="LiveId" clId="{CE1BA007-2D19-44DC-99D0-ABD985406C5A}" dt="2019-04-24T09:02:14.087" v="398" actId="26606"/>
-          <ac:spMkLst>
-            <pc:docMk/>
-            <pc:sldMk cId="2549270753" sldId="267"/>
-            <ac:spMk id="20" creationId="{C651F706-C94E-46D4-BAAE-BAFD1AD976FE}"/>
-          </ac:spMkLst>
-        </pc:spChg>
-        <pc:spChg chg="add del">
-          <ac:chgData name="Mina Silahtaroğlu" userId="0936dcf6579eb0e0" providerId="LiveId" clId="{CE1BA007-2D19-44DC-99D0-ABD985406C5A}" dt="2019-04-24T09:02:17.554" v="404" actId="26606"/>
-          <ac:spMkLst>
-            <pc:docMk/>
-            <pc:sldMk cId="2549270753" sldId="267"/>
-            <ac:spMk id="21" creationId="{B87687D8-4EF1-4EF2-BF7E-74BB4A3D1806}"/>
-          </ac:spMkLst>
-        </pc:spChg>
-        <pc:spChg chg="add del">
-          <ac:chgData name="Mina Silahtaroğlu" userId="0936dcf6579eb0e0" providerId="LiveId" clId="{CE1BA007-2D19-44DC-99D0-ABD985406C5A}" dt="2019-04-24T09:02:15.167" v="400" actId="26606"/>
-          <ac:spMkLst>
-            <pc:docMk/>
-            <pc:sldMk cId="2549270753" sldId="267"/>
-            <ac:spMk id="22" creationId="{82A5F716-98EF-42EF-A471-87C6DFDCC799}"/>
-          </ac:spMkLst>
-        </pc:spChg>
-        <pc:spChg chg="add del">
-          <ac:chgData name="Mina Silahtaroğlu" userId="0936dcf6579eb0e0" providerId="LiveId" clId="{CE1BA007-2D19-44DC-99D0-ABD985406C5A}" dt="2019-04-24T09:02:15.167" v="400" actId="26606"/>
-          <ac:spMkLst>
-            <pc:docMk/>
-            <pc:sldMk cId="2549270753" sldId="267"/>
-            <ac:spMk id="23" creationId="{B87687D8-4EF1-4EF2-BF7E-74BB4A3D1806}"/>
-          </ac:spMkLst>
-        </pc:spChg>
-        <pc:spChg chg="add del">
-          <ac:chgData name="Mina Silahtaroğlu" userId="0936dcf6579eb0e0" providerId="LiveId" clId="{CE1BA007-2D19-44DC-99D0-ABD985406C5A}" dt="2019-04-24T09:02:19.556" v="408" actId="26606"/>
-          <ac:spMkLst>
-            <pc:docMk/>
-            <pc:sldMk cId="2549270753" sldId="267"/>
-            <ac:spMk id="24" creationId="{A4D1609B-102A-4C77-86A2-ACB29FB96D59}"/>
-          </ac:spMkLst>
-        </pc:spChg>
-        <pc:spChg chg="add del">
-          <ac:chgData name="Mina Silahtaroğlu" userId="0936dcf6579eb0e0" providerId="LiveId" clId="{CE1BA007-2D19-44DC-99D0-ABD985406C5A}" dt="2019-04-24T09:02:19.556" v="408" actId="26606"/>
-          <ac:spMkLst>
-            <pc:docMk/>
-            <pc:sldMk cId="2549270753" sldId="267"/>
-            <ac:spMk id="25" creationId="{C651F706-C94E-46D4-BAAE-BAFD1AD976FE}"/>
-          </ac:spMkLst>
-        </pc:spChg>
-        <pc:spChg chg="add del">
-          <ac:chgData name="Mina Silahtaroğlu" userId="0936dcf6579eb0e0" providerId="LiveId" clId="{CE1BA007-2D19-44DC-99D0-ABD985406C5A}" dt="2019-04-24T09:02:20.352" v="410" actId="26606"/>
-          <ac:spMkLst>
-            <pc:docMk/>
-            <pc:sldMk cId="2549270753" sldId="267"/>
-            <ac:spMk id="27" creationId="{57845966-6EFC-468A-9CC7-BAB4B95854E7}"/>
-          </ac:spMkLst>
-        </pc:spChg>
-        <pc:spChg chg="add del">
-          <ac:chgData name="Mina Silahtaroğlu" userId="0936dcf6579eb0e0" providerId="LiveId" clId="{CE1BA007-2D19-44DC-99D0-ABD985406C5A}" dt="2019-04-24T09:02:20.352" v="410" actId="26606"/>
-          <ac:spMkLst>
-            <pc:docMk/>
-            <pc:sldMk cId="2549270753" sldId="267"/>
-            <ac:spMk id="29" creationId="{ADAD1991-FFD1-4E94-ABAB-7560D33008E4}"/>
-          </ac:spMkLst>
-        </pc:spChg>
-        <pc:spChg chg="add del">
-          <ac:chgData name="Mina Silahtaroğlu" userId="0936dcf6579eb0e0" providerId="LiveId" clId="{CE1BA007-2D19-44DC-99D0-ABD985406C5A}" dt="2019-04-24T09:02:21.197" v="412" actId="26606"/>
-          <ac:spMkLst>
-            <pc:docMk/>
-            <pc:sldMk cId="2549270753" sldId="267"/>
-            <ac:spMk id="31" creationId="{32BC26D8-82FB-445E-AA49-62A77D7C1EE0}"/>
-          </ac:spMkLst>
-        </pc:spChg>
-        <pc:spChg chg="add del">
-          <ac:chgData name="Mina Silahtaroğlu" userId="0936dcf6579eb0e0" providerId="LiveId" clId="{CE1BA007-2D19-44DC-99D0-ABD985406C5A}" dt="2019-04-24T09:02:21.197" v="412" actId="26606"/>
-          <ac:spMkLst>
-            <pc:docMk/>
-            <pc:sldMk cId="2549270753" sldId="267"/>
-            <ac:spMk id="32" creationId="{CB44330D-EA18-4254-AA95-EB49948539B8}"/>
-          </ac:spMkLst>
-        </pc:spChg>
-        <pc:picChg chg="add del mod modCrop">
-          <ac:chgData name="Mina Silahtaroğlu" userId="0936dcf6579eb0e0" providerId="LiveId" clId="{CE1BA007-2D19-44DC-99D0-ABD985406C5A}" dt="2019-04-24T09:01:13.471" v="380" actId="478"/>
-          <ac:picMkLst>
-            <pc:docMk/>
-            <pc:sldMk cId="2549270753" sldId="267"/>
-            <ac:picMk id="3" creationId="{FD8D9A24-A1B8-48FF-B18F-DDA70AA0885C}"/>
-          </ac:picMkLst>
-        </pc:picChg>
-        <pc:picChg chg="add del mod">
-          <ac:chgData name="Mina Silahtaroğlu" userId="0936dcf6579eb0e0" providerId="LiveId" clId="{CE1BA007-2D19-44DC-99D0-ABD985406C5A}" dt="2019-04-24T09:02:25.661" v="417" actId="478"/>
-          <ac:picMkLst>
-            <pc:docMk/>
-            <pc:sldMk cId="2549270753" sldId="267"/>
-            <ac:picMk id="6" creationId="{63FBABF8-1649-406F-8CFE-DC3ADCB92D1A}"/>
-          </ac:picMkLst>
-        </pc:picChg>
-        <pc:picChg chg="add mod">
-          <ac:chgData name="Mina Silahtaroğlu" userId="0936dcf6579eb0e0" providerId="LiveId" clId="{CE1BA007-2D19-44DC-99D0-ABD985406C5A}" dt="2019-04-24T09:03:47.323" v="419" actId="26606"/>
-          <ac:picMkLst>
-            <pc:docMk/>
-            <pc:sldMk cId="2549270753" sldId="267"/>
-            <ac:picMk id="7" creationId="{B9F8EBBF-771E-4ABB-9C58-B7324BAA20DD}"/>
-          </ac:picMkLst>
-        </pc:picChg>
-        <pc:picChg chg="add del">
-          <ac:chgData name="Mina Silahtaroğlu" userId="0936dcf6579eb0e0" providerId="LiveId" clId="{CE1BA007-2D19-44DC-99D0-ABD985406C5A}" dt="2019-04-24T09:02:09.604" v="392" actId="26606"/>
-          <ac:picMkLst>
-            <pc:docMk/>
-            <pc:sldMk cId="2549270753" sldId="267"/>
-            <ac:picMk id="9" creationId="{CB607B98-7700-4DC9-8BE8-A876255F9C52}"/>
-          </ac:picMkLst>
-        </pc:picChg>
-        <pc:picChg chg="add del">
-          <ac:chgData name="Mina Silahtaroğlu" userId="0936dcf6579eb0e0" providerId="LiveId" clId="{CE1BA007-2D19-44DC-99D0-ABD985406C5A}" dt="2019-04-24T09:02:11.639" v="396" actId="26606"/>
-          <ac:picMkLst>
-            <pc:docMk/>
-            <pc:sldMk cId="2549270753" sldId="267"/>
-            <ac:picMk id="17" creationId="{75554383-98AF-4A47-BB65-705FAAA4BE6A}"/>
-          </ac:picMkLst>
-        </pc:picChg>
-        <pc:picChg chg="add del">
-          <ac:chgData name="Mina Silahtaroğlu" userId="0936dcf6579eb0e0" providerId="LiveId" clId="{CE1BA007-2D19-44DC-99D0-ABD985406C5A}" dt="2019-04-24T09:02:20.352" v="410" actId="26606"/>
-          <ac:picMkLst>
-            <pc:docMk/>
-            <pc:sldMk cId="2549270753" sldId="267"/>
-            <ac:picMk id="28" creationId="{75554383-98AF-4A47-BB65-705FAAA4BE6A}"/>
-          </ac:picMkLst>
-        </pc:picChg>
-        <pc:picChg chg="add del">
-          <ac:chgData name="Mina Silahtaroğlu" userId="0936dcf6579eb0e0" providerId="LiveId" clId="{CE1BA007-2D19-44DC-99D0-ABD985406C5A}" dt="2019-04-24T09:02:22.353" v="414" actId="26606"/>
-          <ac:picMkLst>
-            <pc:docMk/>
-            <pc:sldMk cId="2549270753" sldId="267"/>
-            <ac:picMk id="34" creationId="{CB607B98-7700-4DC9-8BE8-A876255F9C52}"/>
           </ac:picMkLst>
         </pc:picChg>
       </pc:sldChg>
@@ -928,29 +656,6 @@
           </ac:picMkLst>
         </pc:picChg>
       </pc:sldChg>
-      <pc:sldChg chg="delSp modSp add del">
-        <pc:chgData name="Mina Silahtaroğlu" userId="0936dcf6579eb0e0" providerId="LiveId" clId="{CE1BA007-2D19-44DC-99D0-ABD985406C5A}" dt="2019-04-24T11:56:21.488" v="548" actId="2696"/>
-        <pc:sldMkLst>
-          <pc:docMk/>
-          <pc:sldMk cId="742033930" sldId="274"/>
-        </pc:sldMkLst>
-        <pc:spChg chg="del mod">
-          <ac:chgData name="Mina Silahtaroğlu" userId="0936dcf6579eb0e0" providerId="LiveId" clId="{CE1BA007-2D19-44DC-99D0-ABD985406C5A}" dt="2019-04-24T11:45:15.734" v="537" actId="478"/>
-          <ac:spMkLst>
-            <pc:docMk/>
-            <pc:sldMk cId="742033930" sldId="274"/>
-            <ac:spMk id="2" creationId="{22CAB71E-F0C2-465B-8A99-A85CDF8102E0}"/>
-          </ac:spMkLst>
-        </pc:spChg>
-        <pc:spChg chg="del">
-          <ac:chgData name="Mina Silahtaroğlu" userId="0936dcf6579eb0e0" providerId="LiveId" clId="{CE1BA007-2D19-44DC-99D0-ABD985406C5A}" dt="2019-04-24T11:45:14.210" v="535" actId="478"/>
-          <ac:spMkLst>
-            <pc:docMk/>
-            <pc:sldMk cId="742033930" sldId="274"/>
-            <ac:spMk id="3" creationId="{4C9B7E14-A074-47D9-8105-C05C089A645D}"/>
-          </ac:spMkLst>
-        </pc:spChg>
-      </pc:sldChg>
       <pc:sldChg chg="addSp delSp modSp add">
         <pc:chgData name="Mina Silahtaroğlu" userId="0936dcf6579eb0e0" providerId="LiveId" clId="{CE1BA007-2D19-44DC-99D0-ABD985406C5A}" dt="2019-04-24T11:46:18.429" v="544" actId="1076"/>
         <pc:sldMkLst>
@@ -1016,6 +721,37 @@
       </pc:sldChg>
     </pc:docChg>
   </pc:docChgLst>
+  <pc:docChgLst>
+    <pc:chgData name="Mina Silahtaroğlu" userId="0936dcf6579eb0e0" providerId="LiveId" clId="{FD79B535-B6E2-4716-850F-53ED641CBE56}"/>
+    <pc:docChg chg="delSld modSld">
+      <pc:chgData name="Mina Silahtaroğlu" userId="0936dcf6579eb0e0" providerId="LiveId" clId="{FD79B535-B6E2-4716-850F-53ED641CBE56}" dt="2019-05-18T08:34:16.991" v="2" actId="2696"/>
+      <pc:docMkLst>
+        <pc:docMk/>
+      </pc:docMkLst>
+      <pc:sldChg chg="del">
+        <pc:chgData name="Mina Silahtaroğlu" userId="0936dcf6579eb0e0" providerId="LiveId" clId="{FD79B535-B6E2-4716-850F-53ED641CBE56}" dt="2019-05-18T08:33:46.862" v="0" actId="2696"/>
+        <pc:sldMkLst>
+          <pc:docMk/>
+          <pc:sldMk cId="1802116770" sldId="262"/>
+        </pc:sldMkLst>
+      </pc:sldChg>
+      <pc:sldChg chg="modSp del">
+        <pc:chgData name="Mina Silahtaroğlu" userId="0936dcf6579eb0e0" providerId="LiveId" clId="{FD79B535-B6E2-4716-850F-53ED641CBE56}" dt="2019-05-18T08:34:16.991" v="2" actId="2696"/>
+        <pc:sldMkLst>
+          <pc:docMk/>
+          <pc:sldMk cId="308460778" sldId="269"/>
+        </pc:sldMkLst>
+        <pc:spChg chg="mod">
+          <ac:chgData name="Mina Silahtaroğlu" userId="0936dcf6579eb0e0" providerId="LiveId" clId="{FD79B535-B6E2-4716-850F-53ED641CBE56}" dt="2019-05-18T08:34:10.202" v="1" actId="20577"/>
+          <ac:spMkLst>
+            <pc:docMk/>
+            <pc:sldMk cId="308460778" sldId="269"/>
+            <ac:spMk id="3" creationId="{92CD3487-1A55-4635-8767-212DD5F60691}"/>
+          </ac:spMkLst>
+        </pc:spChg>
+      </pc:sldChg>
+    </pc:docChg>
+  </pc:docChgLst>
 </pc:chgInfo>
 </file>
 
@@ -1168,7 +904,7 @@
           <a:p>
             <a:fld id="{25790D7C-F60F-4270-BEB3-5125049D004C}" type="datetimeFigureOut">
               <a:rPr lang="tr-TR" smtClean="0"/>
-              <a:t>24.04.2019</a:t>
+              <a:t>18.05.2019</a:t>
             </a:fld>
             <a:endParaRPr lang="tr-TR"/>
           </a:p>
@@ -1368,7 +1104,7 @@
           <a:p>
             <a:fld id="{25790D7C-F60F-4270-BEB3-5125049D004C}" type="datetimeFigureOut">
               <a:rPr lang="tr-TR" smtClean="0"/>
-              <a:t>24.04.2019</a:t>
+              <a:t>18.05.2019</a:t>
             </a:fld>
             <a:endParaRPr lang="tr-TR"/>
           </a:p>
@@ -1578,7 +1314,7 @@
           <a:p>
             <a:fld id="{25790D7C-F60F-4270-BEB3-5125049D004C}" type="datetimeFigureOut">
               <a:rPr lang="tr-TR" smtClean="0"/>
-              <a:t>24.04.2019</a:t>
+              <a:t>18.05.2019</a:t>
             </a:fld>
             <a:endParaRPr lang="tr-TR"/>
           </a:p>
@@ -1778,7 +1514,7 @@
           <a:p>
             <a:fld id="{25790D7C-F60F-4270-BEB3-5125049D004C}" type="datetimeFigureOut">
               <a:rPr lang="tr-TR" smtClean="0"/>
-              <a:t>24.04.2019</a:t>
+              <a:t>18.05.2019</a:t>
             </a:fld>
             <a:endParaRPr lang="tr-TR"/>
           </a:p>
@@ -2054,7 +1790,7 @@
           <a:p>
             <a:fld id="{25790D7C-F60F-4270-BEB3-5125049D004C}" type="datetimeFigureOut">
               <a:rPr lang="tr-TR" smtClean="0"/>
-              <a:t>24.04.2019</a:t>
+              <a:t>18.05.2019</a:t>
             </a:fld>
             <a:endParaRPr lang="tr-TR"/>
           </a:p>
@@ -2322,7 +2058,7 @@
           <a:p>
             <a:fld id="{25790D7C-F60F-4270-BEB3-5125049D004C}" type="datetimeFigureOut">
               <a:rPr lang="tr-TR" smtClean="0"/>
-              <a:t>24.04.2019</a:t>
+              <a:t>18.05.2019</a:t>
             </a:fld>
             <a:endParaRPr lang="tr-TR"/>
           </a:p>
@@ -2737,7 +2473,7 @@
           <a:p>
             <a:fld id="{25790D7C-F60F-4270-BEB3-5125049D004C}" type="datetimeFigureOut">
               <a:rPr lang="tr-TR" smtClean="0"/>
-              <a:t>24.04.2019</a:t>
+              <a:t>18.05.2019</a:t>
             </a:fld>
             <a:endParaRPr lang="tr-TR"/>
           </a:p>
@@ -2879,7 +2615,7 @@
           <a:p>
             <a:fld id="{25790D7C-F60F-4270-BEB3-5125049D004C}" type="datetimeFigureOut">
               <a:rPr lang="tr-TR" smtClean="0"/>
-              <a:t>24.04.2019</a:t>
+              <a:t>18.05.2019</a:t>
             </a:fld>
             <a:endParaRPr lang="tr-TR"/>
           </a:p>
@@ -2992,7 +2728,7 @@
           <a:p>
             <a:fld id="{25790D7C-F60F-4270-BEB3-5125049D004C}" type="datetimeFigureOut">
               <a:rPr lang="tr-TR" smtClean="0"/>
-              <a:t>24.04.2019</a:t>
+              <a:t>18.05.2019</a:t>
             </a:fld>
             <a:endParaRPr lang="tr-TR"/>
           </a:p>
@@ -3305,7 +3041,7 @@
           <a:p>
             <a:fld id="{25790D7C-F60F-4270-BEB3-5125049D004C}" type="datetimeFigureOut">
               <a:rPr lang="tr-TR" smtClean="0"/>
-              <a:t>24.04.2019</a:t>
+              <a:t>18.05.2019</a:t>
             </a:fld>
             <a:endParaRPr lang="tr-TR"/>
           </a:p>
@@ -3594,7 +3330,7 @@
           <a:p>
             <a:fld id="{25790D7C-F60F-4270-BEB3-5125049D004C}" type="datetimeFigureOut">
               <a:rPr lang="tr-TR" smtClean="0"/>
-              <a:t>24.04.2019</a:t>
+              <a:t>18.05.2019</a:t>
             </a:fld>
             <a:endParaRPr lang="tr-TR"/>
           </a:p>
@@ -3837,7 +3573,7 @@
           <a:p>
             <a:fld id="{25790D7C-F60F-4270-BEB3-5125049D004C}" type="datetimeFigureOut">
               <a:rPr lang="tr-TR" smtClean="0"/>
-              <a:t>24.04.2019</a:t>
+              <a:t>18.05.2019</a:t>
             </a:fld>
             <a:endParaRPr lang="tr-TR"/>
           </a:p>
@@ -4867,66 +4603,6 @@
           <p:cNvPr id="2" name="Picture 1">
             <a:extLst>
               <a:ext uri="{FF2B5EF4-FFF2-40B4-BE49-F238E27FC236}">
-                <a16:creationId xmlns:a16="http://schemas.microsoft.com/office/drawing/2014/main" id="{3C0D26FF-A7A4-4CE9-BB17-224F6E75A14B}"/>
-              </a:ext>
-            </a:extLst>
-          </p:cNvPr>
-          <p:cNvPicPr>
-            <a:picLocks noChangeAspect="1"/>
-          </p:cNvPicPr>
-          <p:nvPr/>
-        </p:nvPicPr>
-        <p:blipFill>
-          <a:blip r:embed="rId2"/>
-          <a:stretch>
-            <a:fillRect/>
-          </a:stretch>
-        </p:blipFill>
-        <p:spPr>
-          <a:xfrm>
-            <a:off x="1404937" y="704850"/>
-            <a:ext cx="9382125" cy="5448300"/>
-          </a:xfrm>
-          <a:prstGeom prst="rect">
-            <a:avLst/>
-          </a:prstGeom>
-        </p:spPr>
-      </p:pic>
-    </p:spTree>
-    <p:extLst>
-      <p:ext uri="{BB962C8B-B14F-4D97-AF65-F5344CB8AC3E}">
-        <p14:creationId xmlns:p14="http://schemas.microsoft.com/office/powerpoint/2010/main" val="3020293087"/>
-      </p:ext>
-    </p:extLst>
-  </p:cSld>
-  <p:clrMapOvr>
-    <a:masterClrMapping/>
-  </p:clrMapOvr>
-</p:sld>
-</file>
-
-<file path=ppt/slides/slide11.xml><?xml version="1.0" encoding="utf-8"?>
-<p:sld xmlns:a="http://schemas.openxmlformats.org/drawingml/2006/main" xmlns:r="http://schemas.openxmlformats.org/officeDocument/2006/relationships" xmlns:p="http://schemas.openxmlformats.org/presentationml/2006/main">
-  <p:cSld>
-    <p:spTree>
-      <p:nvGrpSpPr>
-        <p:cNvPr id="1" name=""/>
-        <p:cNvGrpSpPr/>
-        <p:nvPr/>
-      </p:nvGrpSpPr>
-      <p:grpSpPr>
-        <a:xfrm>
-          <a:off x="0" y="0"/>
-          <a:ext cx="0" cy="0"/>
-          <a:chOff x="0" y="0"/>
-          <a:chExt cx="0" cy="0"/>
-        </a:xfrm>
-      </p:grpSpPr>
-      <p:pic>
-        <p:nvPicPr>
-          <p:cNvPr id="2" name="Picture 1">
-            <a:extLst>
-              <a:ext uri="{FF2B5EF4-FFF2-40B4-BE49-F238E27FC236}">
                 <a16:creationId xmlns:a16="http://schemas.microsoft.com/office/drawing/2014/main" id="{19F26EDE-DF4B-4EA3-97A3-54D6ECB2846D}"/>
               </a:ext>
             </a:extLst>
@@ -5025,7 +4701,7 @@
 </p:sld>
 </file>
 
-<file path=ppt/slides/slide12.xml><?xml version="1.0" encoding="utf-8"?>
+<file path=ppt/slides/slide11.xml><?xml version="1.0" encoding="utf-8"?>
 <p:sld xmlns:a="http://schemas.openxmlformats.org/drawingml/2006/main" xmlns:r="http://schemas.openxmlformats.org/officeDocument/2006/relationships" xmlns:p="http://schemas.openxmlformats.org/presentationml/2006/main">
   <p:cSld>
     <p:spTree>
@@ -5115,7 +4791,7 @@
 </p:sld>
 </file>
 
-<file path=ppt/slides/slide13.xml><?xml version="1.0" encoding="utf-8"?>
+<file path=ppt/slides/slide12.xml><?xml version="1.0" encoding="utf-8"?>
 <p:sld xmlns:a="http://schemas.openxmlformats.org/drawingml/2006/main" xmlns:r="http://schemas.openxmlformats.org/officeDocument/2006/relationships" xmlns:p="http://schemas.openxmlformats.org/presentationml/2006/main">
   <p:cSld>
     <p:spTree>
@@ -5175,7 +4851,7 @@
 </p:sld>
 </file>
 
-<file path=ppt/slides/slide14.xml><?xml version="1.0" encoding="utf-8"?>
+<file path=ppt/slides/slide13.xml><?xml version="1.0" encoding="utf-8"?>
 <p:sld xmlns:a="http://schemas.openxmlformats.org/drawingml/2006/main" xmlns:r="http://schemas.openxmlformats.org/officeDocument/2006/relationships" xmlns:p="http://schemas.openxmlformats.org/presentationml/2006/main">
   <p:cSld>
     <p:spTree>
@@ -7499,7 +7175,7 @@
 </p:sld>
 </file>
 
-<file path=ppt/slides/slide15.xml><?xml version="1.0" encoding="utf-8"?>
+<file path=ppt/slides/slide14.xml><?xml version="1.0" encoding="utf-8"?>
 <p:sld xmlns:a="http://schemas.openxmlformats.org/drawingml/2006/main" xmlns:r="http://schemas.openxmlformats.org/officeDocument/2006/relationships" xmlns:p="http://schemas.openxmlformats.org/presentationml/2006/main">
   <p:cSld>
     <p:spTree>
@@ -7589,7 +7265,7 @@
 </p:sld>
 </file>
 
-<file path=ppt/slides/slide16.xml><?xml version="1.0" encoding="utf-8"?>
+<file path=ppt/slides/slide15.xml><?xml version="1.0" encoding="utf-8"?>
 <p:sld xmlns:a="http://schemas.openxmlformats.org/drawingml/2006/main" xmlns:r="http://schemas.openxmlformats.org/officeDocument/2006/relationships" xmlns:p="http://schemas.openxmlformats.org/presentationml/2006/main">
   <p:cSld>
     <p:spTree>
@@ -7649,7 +7325,7 @@
 </p:sld>
 </file>
 
-<file path=ppt/slides/slide17.xml><?xml version="1.0" encoding="utf-8"?>
+<file path=ppt/slides/slide16.xml><?xml version="1.0" encoding="utf-8"?>
 <p:sld xmlns:a="http://schemas.openxmlformats.org/drawingml/2006/main" xmlns:r="http://schemas.openxmlformats.org/officeDocument/2006/relationships" xmlns:p="http://schemas.openxmlformats.org/presentationml/2006/main">
   <p:cSld>
     <p:spTree>
@@ -7730,156 +7406,6 @@
     <p:extLst>
       <p:ext uri="{BB962C8B-B14F-4D97-AF65-F5344CB8AC3E}">
         <p14:creationId xmlns:p14="http://schemas.microsoft.com/office/powerpoint/2010/main" val="3886274665"/>
-      </p:ext>
-    </p:extLst>
-  </p:cSld>
-  <p:clrMapOvr>
-    <a:masterClrMapping/>
-  </p:clrMapOvr>
-</p:sld>
-</file>
-
-<file path=ppt/slides/slide18.xml><?xml version="1.0" encoding="utf-8"?>
-<p:sld xmlns:a="http://schemas.openxmlformats.org/drawingml/2006/main" xmlns:r="http://schemas.openxmlformats.org/officeDocument/2006/relationships" xmlns:p="http://schemas.openxmlformats.org/presentationml/2006/main">
-  <p:cSld>
-    <p:spTree>
-      <p:nvGrpSpPr>
-        <p:cNvPr id="1" name=""/>
-        <p:cNvGrpSpPr/>
-        <p:nvPr/>
-      </p:nvGrpSpPr>
-      <p:grpSpPr>
-        <a:xfrm>
-          <a:off x="0" y="0"/>
-          <a:ext cx="0" cy="0"/>
-          <a:chOff x="0" y="0"/>
-          <a:chExt cx="0" cy="0"/>
-        </a:xfrm>
-      </p:grpSpPr>
-      <p:sp>
-        <p:nvSpPr>
-          <p:cNvPr id="2" name="Title 1">
-            <a:extLst>
-              <a:ext uri="{FF2B5EF4-FFF2-40B4-BE49-F238E27FC236}">
-                <a16:creationId xmlns:a16="http://schemas.microsoft.com/office/drawing/2014/main" id="{4107C8CB-0713-4C60-889F-7AAE8C5B40F1}"/>
-              </a:ext>
-            </a:extLst>
-          </p:cNvPr>
-          <p:cNvSpPr>
-            <a:spLocks noGrp="1"/>
-          </p:cNvSpPr>
-          <p:nvPr>
-            <p:ph type="title"/>
-          </p:nvPr>
-        </p:nvSpPr>
-        <p:spPr/>
-        <p:txBody>
-          <a:bodyPr/>
-          <a:lstStyle/>
-          <a:p>
-            <a:r>
-              <a:rPr lang="tr-TR" dirty="0" err="1"/>
-              <a:t>What</a:t>
-            </a:r>
-            <a:r>
-              <a:rPr lang="tr-TR" dirty="0"/>
-              <a:t> </a:t>
-            </a:r>
-            <a:r>
-              <a:rPr lang="tr-TR" dirty="0" err="1"/>
-              <a:t>will</a:t>
-            </a:r>
-            <a:r>
-              <a:rPr lang="tr-TR" dirty="0"/>
-              <a:t> be done:</a:t>
-            </a:r>
-          </a:p>
-        </p:txBody>
-      </p:sp>
-      <p:sp>
-        <p:nvSpPr>
-          <p:cNvPr id="3" name="Content Placeholder 2">
-            <a:extLst>
-              <a:ext uri="{FF2B5EF4-FFF2-40B4-BE49-F238E27FC236}">
-                <a16:creationId xmlns:a16="http://schemas.microsoft.com/office/drawing/2014/main" id="{92CD3487-1A55-4635-8767-212DD5F60691}"/>
-              </a:ext>
-            </a:extLst>
-          </p:cNvPr>
-          <p:cNvSpPr>
-            <a:spLocks noGrp="1"/>
-          </p:cNvSpPr>
-          <p:nvPr>
-            <p:ph idx="1"/>
-          </p:nvPr>
-        </p:nvSpPr>
-        <p:spPr/>
-        <p:txBody>
-          <a:bodyPr/>
-          <a:lstStyle/>
-          <a:p>
-            <a:r>
-              <a:rPr lang="tr-TR" dirty="0"/>
-              <a:t>Tempo </a:t>
-            </a:r>
-            <a:r>
-              <a:rPr lang="tr-TR" dirty="0" err="1"/>
-              <a:t>analysis</a:t>
-            </a:r>
-            <a:r>
-              <a:rPr lang="tr-TR" dirty="0"/>
-              <a:t>, </a:t>
-            </a:r>
-            <a:r>
-              <a:rPr lang="tr-TR" dirty="0" err="1"/>
-              <a:t>heatmap</a:t>
-            </a:r>
-            <a:endParaRPr lang="tr-TR" dirty="0"/>
-          </a:p>
-          <a:p>
-            <a:r>
-              <a:rPr lang="tr-TR" dirty="0" err="1"/>
-              <a:t>Function</a:t>
-            </a:r>
-            <a:r>
-              <a:rPr lang="tr-TR" dirty="0"/>
-              <a:t> </a:t>
-            </a:r>
-            <a:r>
-              <a:rPr lang="tr-TR" dirty="0" err="1"/>
-              <a:t>generalization</a:t>
-            </a:r>
-            <a:r>
-              <a:rPr lang="tr-TR" dirty="0"/>
-              <a:t> </a:t>
-            </a:r>
-          </a:p>
-          <a:p>
-            <a:r>
-              <a:rPr lang="tr-TR" dirty="0"/>
-              <a:t>K-</a:t>
-            </a:r>
-            <a:r>
-              <a:rPr lang="tr-TR" dirty="0" err="1"/>
-              <a:t>means</a:t>
-            </a:r>
-            <a:endParaRPr lang="tr-TR" dirty="0"/>
-          </a:p>
-          <a:p>
-            <a:r>
-              <a:rPr lang="tr-TR" dirty="0" err="1"/>
-              <a:t>Shiny</a:t>
-            </a:r>
-            <a:endParaRPr lang="en-US" dirty="0"/>
-          </a:p>
-          <a:p>
-            <a:endParaRPr lang="tr-TR" dirty="0"/>
-          </a:p>
-        </p:txBody>
-      </p:sp>
-    </p:spTree>
-    <p:extLst>
-      <p:ext uri="{BB962C8B-B14F-4D97-AF65-F5344CB8AC3E}">
-        <p14:creationId xmlns:p14="http://schemas.microsoft.com/office/powerpoint/2010/main" val="308460778"/>
       </p:ext>
     </p:extLst>
   </p:cSld>
@@ -8362,66 +7888,6 @@
           <p:cNvPr id="2" name="Picture 1">
             <a:extLst>
               <a:ext uri="{FF2B5EF4-FFF2-40B4-BE49-F238E27FC236}">
-                <a16:creationId xmlns:a16="http://schemas.microsoft.com/office/drawing/2014/main" id="{D3208170-FDA6-47D6-AC9E-C02A77ABF412}"/>
-              </a:ext>
-            </a:extLst>
-          </p:cNvPr>
-          <p:cNvPicPr>
-            <a:picLocks noChangeAspect="1"/>
-          </p:cNvPicPr>
-          <p:nvPr/>
-        </p:nvPicPr>
-        <p:blipFill>
-          <a:blip r:embed="rId2"/>
-          <a:stretch>
-            <a:fillRect/>
-          </a:stretch>
-        </p:blipFill>
-        <p:spPr>
-          <a:xfrm>
-            <a:off x="1519237" y="95250"/>
-            <a:ext cx="9286875" cy="6762750"/>
-          </a:xfrm>
-          <a:prstGeom prst="rect">
-            <a:avLst/>
-          </a:prstGeom>
-        </p:spPr>
-      </p:pic>
-    </p:spTree>
-    <p:extLst>
-      <p:ext uri="{BB962C8B-B14F-4D97-AF65-F5344CB8AC3E}">
-        <p14:creationId xmlns:p14="http://schemas.microsoft.com/office/powerpoint/2010/main" val="1802116770"/>
-      </p:ext>
-    </p:extLst>
-  </p:cSld>
-  <p:clrMapOvr>
-    <a:masterClrMapping/>
-  </p:clrMapOvr>
-</p:sld>
-</file>
-
-<file path=ppt/slides/slide6.xml><?xml version="1.0" encoding="utf-8"?>
-<p:sld xmlns:a="http://schemas.openxmlformats.org/drawingml/2006/main" xmlns:r="http://schemas.openxmlformats.org/officeDocument/2006/relationships" xmlns:p="http://schemas.openxmlformats.org/presentationml/2006/main">
-  <p:cSld>
-    <p:spTree>
-      <p:nvGrpSpPr>
-        <p:cNvPr id="1" name=""/>
-        <p:cNvGrpSpPr/>
-        <p:nvPr/>
-      </p:nvGrpSpPr>
-      <p:grpSpPr>
-        <a:xfrm>
-          <a:off x="0" y="0"/>
-          <a:ext cx="0" cy="0"/>
-          <a:chOff x="0" y="0"/>
-          <a:chExt cx="0" cy="0"/>
-        </a:xfrm>
-      </p:grpSpPr>
-      <p:pic>
-        <p:nvPicPr>
-          <p:cNvPr id="2" name="Picture 1">
-            <a:extLst>
-              <a:ext uri="{FF2B5EF4-FFF2-40B4-BE49-F238E27FC236}">
                 <a16:creationId xmlns:a16="http://schemas.microsoft.com/office/drawing/2014/main" id="{197B4EBA-F7C7-4FFC-BEEA-2CB5E0A2EBED}"/>
               </a:ext>
             </a:extLst>
@@ -8460,7 +7926,7 @@
 </p:sld>
 </file>
 
-<file path=ppt/slides/slide7.xml><?xml version="1.0" encoding="utf-8"?>
+<file path=ppt/slides/slide6.xml><?xml version="1.0" encoding="utf-8"?>
 <p:sld xmlns:a="http://schemas.openxmlformats.org/drawingml/2006/main" xmlns:r="http://schemas.openxmlformats.org/officeDocument/2006/relationships" xmlns:p="http://schemas.openxmlformats.org/presentationml/2006/main">
   <p:cSld>
     <p:spTree>
@@ -8520,7 +7986,7 @@
 </p:sld>
 </file>
 
-<file path=ppt/slides/slide8.xml><?xml version="1.0" encoding="utf-8"?>
+<file path=ppt/slides/slide7.xml><?xml version="1.0" encoding="utf-8"?>
 <p:sld xmlns:a="http://schemas.openxmlformats.org/drawingml/2006/main" xmlns:r="http://schemas.openxmlformats.org/officeDocument/2006/relationships" xmlns:p="http://schemas.openxmlformats.org/presentationml/2006/main">
   <p:cSld>
     <p:bg>
@@ -8618,7 +8084,7 @@
 </p:sld>
 </file>
 
-<file path=ppt/slides/slide9.xml><?xml version="1.0" encoding="utf-8"?>
+<file path=ppt/slides/slide8.xml><?xml version="1.0" encoding="utf-8"?>
 <p:sld xmlns:a="http://schemas.openxmlformats.org/drawingml/2006/main" xmlns:r="http://schemas.openxmlformats.org/officeDocument/2006/relationships" xmlns:p="http://schemas.openxmlformats.org/presentationml/2006/main">
   <p:cSld>
     <p:spTree>
@@ -8669,6 +8135,66 @@
     <p:extLst>
       <p:ext uri="{BB962C8B-B14F-4D97-AF65-F5344CB8AC3E}">
         <p14:creationId xmlns:p14="http://schemas.microsoft.com/office/powerpoint/2010/main" val="900036599"/>
+      </p:ext>
+    </p:extLst>
+  </p:cSld>
+  <p:clrMapOvr>
+    <a:masterClrMapping/>
+  </p:clrMapOvr>
+</p:sld>
+</file>
+
+<file path=ppt/slides/slide9.xml><?xml version="1.0" encoding="utf-8"?>
+<p:sld xmlns:a="http://schemas.openxmlformats.org/drawingml/2006/main" xmlns:r="http://schemas.openxmlformats.org/officeDocument/2006/relationships" xmlns:p="http://schemas.openxmlformats.org/presentationml/2006/main">
+  <p:cSld>
+    <p:spTree>
+      <p:nvGrpSpPr>
+        <p:cNvPr id="1" name=""/>
+        <p:cNvGrpSpPr/>
+        <p:nvPr/>
+      </p:nvGrpSpPr>
+      <p:grpSpPr>
+        <a:xfrm>
+          <a:off x="0" y="0"/>
+          <a:ext cx="0" cy="0"/>
+          <a:chOff x="0" y="0"/>
+          <a:chExt cx="0" cy="0"/>
+        </a:xfrm>
+      </p:grpSpPr>
+      <p:pic>
+        <p:nvPicPr>
+          <p:cNvPr id="2" name="Picture 1">
+            <a:extLst>
+              <a:ext uri="{FF2B5EF4-FFF2-40B4-BE49-F238E27FC236}">
+                <a16:creationId xmlns:a16="http://schemas.microsoft.com/office/drawing/2014/main" id="{3C0D26FF-A7A4-4CE9-BB17-224F6E75A14B}"/>
+              </a:ext>
+            </a:extLst>
+          </p:cNvPr>
+          <p:cNvPicPr>
+            <a:picLocks noChangeAspect="1"/>
+          </p:cNvPicPr>
+          <p:nvPr/>
+        </p:nvPicPr>
+        <p:blipFill>
+          <a:blip r:embed="rId2"/>
+          <a:stretch>
+            <a:fillRect/>
+          </a:stretch>
+        </p:blipFill>
+        <p:spPr>
+          <a:xfrm>
+            <a:off x="1404937" y="704850"/>
+            <a:ext cx="9382125" cy="5448300"/>
+          </a:xfrm>
+          <a:prstGeom prst="rect">
+            <a:avLst/>
+          </a:prstGeom>
+        </p:spPr>
+      </p:pic>
+    </p:spTree>
+    <p:extLst>
+      <p:ext uri="{BB962C8B-B14F-4D97-AF65-F5344CB8AC3E}">
+        <p14:creationId xmlns:p14="http://schemas.microsoft.com/office/powerpoint/2010/main" val="3020293087"/>
       </p:ext>
     </p:extLst>
   </p:cSld>
